--- a/lab08/lab/lab.pptx
+++ b/lab08/lab/lab.pptx
@@ -109,6 +109,11 @@
       </a:defRPr>
     </a:lvl9pPr>
   </p:defaultTextStyle>
+  <p:extLst>
+    <p:ext uri="{EFAFB233-063F-42B5-8137-9DF3F51BA10A}">
+      <p15:sldGuideLst xmlns:p15="http://schemas.microsoft.com/office/powerpoint/2012/main"/>
+    </p:ext>
+  </p:extLst>
 </p:presentation>
 </file>
 
@@ -243,7 +248,7 @@
           <a:p>
             <a:fld id="{35C43957-F7AD-4705-A623-65F8023D9C0E}" type="datetimeFigureOut">
               <a:rPr lang="th-TH" smtClean="0"/>
-              <a:t>04/10/65</a:t>
+              <a:t>05/10/65</a:t>
             </a:fld>
             <a:endParaRPr lang="th-TH"/>
           </a:p>
@@ -413,7 +418,7 @@
           <a:p>
             <a:fld id="{35C43957-F7AD-4705-A623-65F8023D9C0E}" type="datetimeFigureOut">
               <a:rPr lang="th-TH" smtClean="0"/>
-              <a:t>04/10/65</a:t>
+              <a:t>05/10/65</a:t>
             </a:fld>
             <a:endParaRPr lang="th-TH"/>
           </a:p>
@@ -593,7 +598,7 @@
           <a:p>
             <a:fld id="{35C43957-F7AD-4705-A623-65F8023D9C0E}" type="datetimeFigureOut">
               <a:rPr lang="th-TH" smtClean="0"/>
-              <a:t>04/10/65</a:t>
+              <a:t>05/10/65</a:t>
             </a:fld>
             <a:endParaRPr lang="th-TH"/>
           </a:p>
@@ -763,7 +768,7 @@
           <a:p>
             <a:fld id="{35C43957-F7AD-4705-A623-65F8023D9C0E}" type="datetimeFigureOut">
               <a:rPr lang="th-TH" smtClean="0"/>
-              <a:t>04/10/65</a:t>
+              <a:t>05/10/65</a:t>
             </a:fld>
             <a:endParaRPr lang="th-TH"/>
           </a:p>
@@ -1007,7 +1012,7 @@
           <a:p>
             <a:fld id="{35C43957-F7AD-4705-A623-65F8023D9C0E}" type="datetimeFigureOut">
               <a:rPr lang="th-TH" smtClean="0"/>
-              <a:t>04/10/65</a:t>
+              <a:t>05/10/65</a:t>
             </a:fld>
             <a:endParaRPr lang="th-TH"/>
           </a:p>
@@ -1239,7 +1244,7 @@
           <a:p>
             <a:fld id="{35C43957-F7AD-4705-A623-65F8023D9C0E}" type="datetimeFigureOut">
               <a:rPr lang="th-TH" smtClean="0"/>
-              <a:t>04/10/65</a:t>
+              <a:t>05/10/65</a:t>
             </a:fld>
             <a:endParaRPr lang="th-TH"/>
           </a:p>
@@ -1606,7 +1611,7 @@
           <a:p>
             <a:fld id="{35C43957-F7AD-4705-A623-65F8023D9C0E}" type="datetimeFigureOut">
               <a:rPr lang="th-TH" smtClean="0"/>
-              <a:t>04/10/65</a:t>
+              <a:t>05/10/65</a:t>
             </a:fld>
             <a:endParaRPr lang="th-TH"/>
           </a:p>
@@ -1724,7 +1729,7 @@
           <a:p>
             <a:fld id="{35C43957-F7AD-4705-A623-65F8023D9C0E}" type="datetimeFigureOut">
               <a:rPr lang="th-TH" smtClean="0"/>
-              <a:t>04/10/65</a:t>
+              <a:t>05/10/65</a:t>
             </a:fld>
             <a:endParaRPr lang="th-TH"/>
           </a:p>
@@ -1819,7 +1824,7 @@
           <a:p>
             <a:fld id="{35C43957-F7AD-4705-A623-65F8023D9C0E}" type="datetimeFigureOut">
               <a:rPr lang="th-TH" smtClean="0"/>
-              <a:t>04/10/65</a:t>
+              <a:t>05/10/65</a:t>
             </a:fld>
             <a:endParaRPr lang="th-TH"/>
           </a:p>
@@ -2096,7 +2101,7 @@
           <a:p>
             <a:fld id="{35C43957-F7AD-4705-A623-65F8023D9C0E}" type="datetimeFigureOut">
               <a:rPr lang="th-TH" smtClean="0"/>
-              <a:t>04/10/65</a:t>
+              <a:t>05/10/65</a:t>
             </a:fld>
             <a:endParaRPr lang="th-TH"/>
           </a:p>
@@ -2353,7 +2358,7 @@
           <a:p>
             <a:fld id="{35C43957-F7AD-4705-A623-65F8023D9C0E}" type="datetimeFigureOut">
               <a:rPr lang="th-TH" smtClean="0"/>
-              <a:t>04/10/65</a:t>
+              <a:t>05/10/65</a:t>
             </a:fld>
             <a:endParaRPr lang="th-TH"/>
           </a:p>
@@ -2566,7 +2571,7 @@
           <a:p>
             <a:fld id="{35C43957-F7AD-4705-A623-65F8023D9C0E}" type="datetimeFigureOut">
               <a:rPr lang="th-TH" smtClean="0"/>
-              <a:t>04/10/65</a:t>
+              <a:t>05/10/65</a:t>
             </a:fld>
             <a:endParaRPr lang="th-TH"/>
           </a:p>
@@ -6386,6 +6391,330 @@
                 <a:cs typeface="FC Home" panose="020B0500040200020003" pitchFamily="34" charset="-34"/>
               </a:rPr>
               <a:t>ได้</a:t>
+            </a:r>
+          </a:p>
+        </p:txBody>
+      </p:sp>
+      <p:sp>
+        <p:nvSpPr>
+          <p:cNvPr id="5" name="TextBox 4">
+            <a:extLst>
+              <a:ext uri="{FF2B5EF4-FFF2-40B4-BE49-F238E27FC236}">
+                <a16:creationId xmlns:a16="http://schemas.microsoft.com/office/drawing/2014/main" id="{C41444AC-3137-F326-E72E-407B9DF898B2}"/>
+              </a:ext>
+            </a:extLst>
+          </p:cNvPr>
+          <p:cNvSpPr txBox="1"/>
+          <p:nvPr/>
+        </p:nvSpPr>
+        <p:spPr>
+          <a:xfrm>
+            <a:off x="1508919" y="6590433"/>
+            <a:ext cx="4394202" cy="307777"/>
+          </a:xfrm>
+          <a:prstGeom prst="rect">
+            <a:avLst/>
+          </a:prstGeom>
+          <a:noFill/>
+        </p:spPr>
+        <p:txBody>
+          <a:bodyPr wrap="square" rtlCol="0">
+            <a:spAutoFit/>
+          </a:bodyPr>
+          <a:lstStyle/>
+          <a:p>
+            <a:r>
+              <a:rPr lang="en-US" sz="1400" dirty="0">
+                <a:solidFill>
+                  <a:srgbClr val="0000FF"/>
+                </a:solidFill>
+                <a:latin typeface="FC Home" panose="020B0500040200020003" pitchFamily="34" charset="-34"/>
+                <a:cs typeface="FC Home" panose="020B0500040200020003" pitchFamily="34" charset="-34"/>
+              </a:rPr>
+              <a:t>txt3.setText((</a:t>
+            </a:r>
+            <a:r>
+              <a:rPr lang="en-US" sz="1400" dirty="0" err="1">
+                <a:solidFill>
+                  <a:srgbClr val="0000FF"/>
+                </a:solidFill>
+                <a:latin typeface="FC Home" panose="020B0500040200020003" pitchFamily="34" charset="-34"/>
+                <a:cs typeface="FC Home" panose="020B0500040200020003" pitchFamily="34" charset="-34"/>
+              </a:rPr>
+              <a:t>Integer.parseInt</a:t>
+            </a:r>
+            <a:r>
+              <a:rPr lang="en-US" sz="1400" dirty="0">
+                <a:solidFill>
+                  <a:srgbClr val="0000FF"/>
+                </a:solidFill>
+                <a:latin typeface="FC Home" panose="020B0500040200020003" pitchFamily="34" charset="-34"/>
+                <a:cs typeface="FC Home" panose="020B0500040200020003" pitchFamily="34" charset="-34"/>
+              </a:rPr>
+              <a:t>(txt1.getText())) + (</a:t>
+            </a:r>
+            <a:r>
+              <a:rPr lang="en-US" sz="1400" dirty="0" err="1">
+                <a:solidFill>
+                  <a:srgbClr val="0000FF"/>
+                </a:solidFill>
+                <a:latin typeface="FC Home" panose="020B0500040200020003" pitchFamily="34" charset="-34"/>
+                <a:cs typeface="FC Home" panose="020B0500040200020003" pitchFamily="34" charset="-34"/>
+              </a:rPr>
+              <a:t>Integer.parseInt</a:t>
+            </a:r>
+            <a:r>
+              <a:rPr lang="en-US" sz="1400" dirty="0">
+                <a:solidFill>
+                  <a:srgbClr val="0000FF"/>
+                </a:solidFill>
+                <a:latin typeface="FC Home" panose="020B0500040200020003" pitchFamily="34" charset="-34"/>
+                <a:cs typeface="FC Home" panose="020B0500040200020003" pitchFamily="34" charset="-34"/>
+              </a:rPr>
+              <a:t>(txt2.getText()))</a:t>
+            </a:r>
+          </a:p>
+        </p:txBody>
+      </p:sp>
+      <p:sp>
+        <p:nvSpPr>
+          <p:cNvPr id="6" name="TextBox 5">
+            <a:extLst>
+              <a:ext uri="{FF2B5EF4-FFF2-40B4-BE49-F238E27FC236}">
+                <a16:creationId xmlns:a16="http://schemas.microsoft.com/office/drawing/2014/main" id="{1E6B0C21-8F63-9FFD-D6F8-D9524E3319A4}"/>
+              </a:ext>
+            </a:extLst>
+          </p:cNvPr>
+          <p:cNvSpPr txBox="1"/>
+          <p:nvPr/>
+        </p:nvSpPr>
+        <p:spPr>
+          <a:xfrm>
+            <a:off x="1508919" y="7157171"/>
+            <a:ext cx="4394202" cy="307777"/>
+          </a:xfrm>
+          <a:prstGeom prst="rect">
+            <a:avLst/>
+          </a:prstGeom>
+          <a:noFill/>
+        </p:spPr>
+        <p:txBody>
+          <a:bodyPr wrap="square" rtlCol="0">
+            <a:spAutoFit/>
+          </a:bodyPr>
+          <a:lstStyle/>
+          <a:p>
+            <a:r>
+              <a:rPr lang="en-US" sz="1400" dirty="0">
+                <a:solidFill>
+                  <a:srgbClr val="0000FF"/>
+                </a:solidFill>
+                <a:latin typeface="FC Home" panose="020B0500040200020003" pitchFamily="34" charset="-34"/>
+                <a:cs typeface="FC Home" panose="020B0500040200020003" pitchFamily="34" charset="-34"/>
+              </a:rPr>
+              <a:t>txt3.setText((</a:t>
+            </a:r>
+            <a:r>
+              <a:rPr lang="en-US" sz="1400" dirty="0" err="1">
+                <a:solidFill>
+                  <a:srgbClr val="0000FF"/>
+                </a:solidFill>
+                <a:latin typeface="FC Home" panose="020B0500040200020003" pitchFamily="34" charset="-34"/>
+                <a:cs typeface="FC Home" panose="020B0500040200020003" pitchFamily="34" charset="-34"/>
+              </a:rPr>
+              <a:t>Integer.parseInt</a:t>
+            </a:r>
+            <a:r>
+              <a:rPr lang="en-US" sz="1400" dirty="0">
+                <a:solidFill>
+                  <a:srgbClr val="0000FF"/>
+                </a:solidFill>
+                <a:latin typeface="FC Home" panose="020B0500040200020003" pitchFamily="34" charset="-34"/>
+                <a:cs typeface="FC Home" panose="020B0500040200020003" pitchFamily="34" charset="-34"/>
+              </a:rPr>
+              <a:t>(txt1.getText())) - (</a:t>
+            </a:r>
+            <a:r>
+              <a:rPr lang="en-US" sz="1400" dirty="0" err="1">
+                <a:solidFill>
+                  <a:srgbClr val="0000FF"/>
+                </a:solidFill>
+                <a:latin typeface="FC Home" panose="020B0500040200020003" pitchFamily="34" charset="-34"/>
+                <a:cs typeface="FC Home" panose="020B0500040200020003" pitchFamily="34" charset="-34"/>
+              </a:rPr>
+              <a:t>Integer.parseInt</a:t>
+            </a:r>
+            <a:r>
+              <a:rPr lang="en-US" sz="1400" dirty="0">
+                <a:solidFill>
+                  <a:srgbClr val="0000FF"/>
+                </a:solidFill>
+                <a:latin typeface="FC Home" panose="020B0500040200020003" pitchFamily="34" charset="-34"/>
+                <a:cs typeface="FC Home" panose="020B0500040200020003" pitchFamily="34" charset="-34"/>
+              </a:rPr>
+              <a:t>(txt2.getText()))</a:t>
+            </a:r>
+          </a:p>
+        </p:txBody>
+      </p:sp>
+      <p:sp>
+        <p:nvSpPr>
+          <p:cNvPr id="7" name="TextBox 6">
+            <a:extLst>
+              <a:ext uri="{FF2B5EF4-FFF2-40B4-BE49-F238E27FC236}">
+                <a16:creationId xmlns:a16="http://schemas.microsoft.com/office/drawing/2014/main" id="{2882EA54-CC85-B934-5411-9E0457B9CD7B}"/>
+              </a:ext>
+            </a:extLst>
+          </p:cNvPr>
+          <p:cNvSpPr txBox="1"/>
+          <p:nvPr/>
+        </p:nvSpPr>
+        <p:spPr>
+          <a:xfrm>
+            <a:off x="1508919" y="7760481"/>
+            <a:ext cx="4394202" cy="307777"/>
+          </a:xfrm>
+          <a:prstGeom prst="rect">
+            <a:avLst/>
+          </a:prstGeom>
+          <a:noFill/>
+        </p:spPr>
+        <p:txBody>
+          <a:bodyPr wrap="square" rtlCol="0">
+            <a:spAutoFit/>
+          </a:bodyPr>
+          <a:lstStyle/>
+          <a:p>
+            <a:r>
+              <a:rPr lang="en-US" sz="1400" dirty="0">
+                <a:solidFill>
+                  <a:srgbClr val="0000FF"/>
+                </a:solidFill>
+                <a:latin typeface="FC Home" panose="020B0500040200020003" pitchFamily="34" charset="-34"/>
+                <a:cs typeface="FC Home" panose="020B0500040200020003" pitchFamily="34" charset="-34"/>
+              </a:rPr>
+              <a:t>txt3.setText((</a:t>
+            </a:r>
+            <a:r>
+              <a:rPr lang="en-US" sz="1400" dirty="0" err="1">
+                <a:solidFill>
+                  <a:srgbClr val="0000FF"/>
+                </a:solidFill>
+                <a:latin typeface="FC Home" panose="020B0500040200020003" pitchFamily="34" charset="-34"/>
+                <a:cs typeface="FC Home" panose="020B0500040200020003" pitchFamily="34" charset="-34"/>
+              </a:rPr>
+              <a:t>Integer.parseInt</a:t>
+            </a:r>
+            <a:r>
+              <a:rPr lang="en-US" sz="1400" dirty="0">
+                <a:solidFill>
+                  <a:srgbClr val="0000FF"/>
+                </a:solidFill>
+                <a:latin typeface="FC Home" panose="020B0500040200020003" pitchFamily="34" charset="-34"/>
+                <a:cs typeface="FC Home" panose="020B0500040200020003" pitchFamily="34" charset="-34"/>
+              </a:rPr>
+              <a:t>(txt1.getText())) x (</a:t>
+            </a:r>
+            <a:r>
+              <a:rPr lang="en-US" sz="1400" dirty="0" err="1">
+                <a:solidFill>
+                  <a:srgbClr val="0000FF"/>
+                </a:solidFill>
+                <a:latin typeface="FC Home" panose="020B0500040200020003" pitchFamily="34" charset="-34"/>
+                <a:cs typeface="FC Home" panose="020B0500040200020003" pitchFamily="34" charset="-34"/>
+              </a:rPr>
+              <a:t>Integer.parseInt</a:t>
+            </a:r>
+            <a:r>
+              <a:rPr lang="en-US" sz="1400" dirty="0">
+                <a:solidFill>
+                  <a:srgbClr val="0000FF"/>
+                </a:solidFill>
+                <a:latin typeface="FC Home" panose="020B0500040200020003" pitchFamily="34" charset="-34"/>
+                <a:cs typeface="FC Home" panose="020B0500040200020003" pitchFamily="34" charset="-34"/>
+              </a:rPr>
+              <a:t>(txt2.getText()))</a:t>
+            </a:r>
+          </a:p>
+        </p:txBody>
+      </p:sp>
+      <p:sp>
+        <p:nvSpPr>
+          <p:cNvPr id="8" name="TextBox 7">
+            <a:extLst>
+              <a:ext uri="{FF2B5EF4-FFF2-40B4-BE49-F238E27FC236}">
+                <a16:creationId xmlns:a16="http://schemas.microsoft.com/office/drawing/2014/main" id="{3464ACB9-A67E-9A4E-0855-89526198D9E1}"/>
+              </a:ext>
+            </a:extLst>
+          </p:cNvPr>
+          <p:cNvSpPr txBox="1"/>
+          <p:nvPr/>
+        </p:nvSpPr>
+        <p:spPr>
+          <a:xfrm>
+            <a:off x="1508919" y="8272364"/>
+            <a:ext cx="4394202" cy="307777"/>
+          </a:xfrm>
+          <a:prstGeom prst="rect">
+            <a:avLst/>
+          </a:prstGeom>
+          <a:noFill/>
+        </p:spPr>
+        <p:txBody>
+          <a:bodyPr wrap="square" rtlCol="0">
+            <a:spAutoFit/>
+          </a:bodyPr>
+          <a:lstStyle/>
+          <a:p>
+            <a:r>
+              <a:rPr lang="en-US" sz="1400" dirty="0">
+                <a:solidFill>
+                  <a:srgbClr val="0000FF"/>
+                </a:solidFill>
+                <a:latin typeface="FC Home" panose="020B0500040200020003" pitchFamily="34" charset="-34"/>
+                <a:cs typeface="FC Home" panose="020B0500040200020003" pitchFamily="34" charset="-34"/>
+              </a:rPr>
+              <a:t>txt3.setText((</a:t>
+            </a:r>
+            <a:r>
+              <a:rPr lang="en-US" sz="1400" dirty="0" err="1">
+                <a:solidFill>
+                  <a:srgbClr val="0000FF"/>
+                </a:solidFill>
+                <a:latin typeface="FC Home" panose="020B0500040200020003" pitchFamily="34" charset="-34"/>
+                <a:cs typeface="FC Home" panose="020B0500040200020003" pitchFamily="34" charset="-34"/>
+              </a:rPr>
+              <a:t>Integer.parseInt</a:t>
+            </a:r>
+            <a:r>
+              <a:rPr lang="en-US" sz="1400" dirty="0">
+                <a:solidFill>
+                  <a:srgbClr val="0000FF"/>
+                </a:solidFill>
+                <a:latin typeface="FC Home" panose="020B0500040200020003" pitchFamily="34" charset="-34"/>
+                <a:cs typeface="FC Home" panose="020B0500040200020003" pitchFamily="34" charset="-34"/>
+              </a:rPr>
+              <a:t>(txt1.getText())) / (</a:t>
+            </a:r>
+            <a:r>
+              <a:rPr lang="en-US" sz="1400" dirty="0" err="1">
+                <a:solidFill>
+                  <a:srgbClr val="0000FF"/>
+                </a:solidFill>
+                <a:latin typeface="FC Home" panose="020B0500040200020003" pitchFamily="34" charset="-34"/>
+                <a:cs typeface="FC Home" panose="020B0500040200020003" pitchFamily="34" charset="-34"/>
+              </a:rPr>
+              <a:t>Integer.parseInt</a:t>
+            </a:r>
+            <a:r>
+              <a:rPr lang="en-US" sz="1400" dirty="0">
+                <a:solidFill>
+                  <a:srgbClr val="0000FF"/>
+                </a:solidFill>
+                <a:latin typeface="FC Home" panose="020B0500040200020003" pitchFamily="34" charset="-34"/>
+                <a:cs typeface="FC Home" panose="020B0500040200020003" pitchFamily="34" charset="-34"/>
+              </a:rPr>
+              <a:t>(txt2.getText()))</a:t>
             </a:r>
           </a:p>
         </p:txBody>
